--- a/template.pptx
+++ b/template.pptx
@@ -105,6 +105,11 @@
       </a:defRPr>
     </a:lvl9pPr>
   </p:defaultTextStyle>
+  <p:extLst>
+    <p:ext uri="{EFAFB233-063F-42B5-8137-9DF3F51BA10A}">
+      <p15:sldGuideLst xmlns:p15="http://schemas.microsoft.com/office/powerpoint/2012/main"/>
+    </p:ext>
+  </p:extLst>
 </p:presentation>
 </file>
 
@@ -239,7 +244,7 @@
           <a:p>
             <a:fld id="{CD0C6E7E-852B-4601-8AB2-EB8F1007C320}" type="datetimeFigureOut">
               <a:rPr lang="en-US" smtClean="0"/>
-              <a:t>3/1/2020</a:t>
+              <a:t>3/6/2020</a:t>
             </a:fld>
             <a:endParaRPr lang="en-US"/>
           </a:p>
@@ -409,7 +414,7 @@
           <a:p>
             <a:fld id="{CD0C6E7E-852B-4601-8AB2-EB8F1007C320}" type="datetimeFigureOut">
               <a:rPr lang="en-US" smtClean="0"/>
-              <a:t>3/1/2020</a:t>
+              <a:t>3/6/2020</a:t>
             </a:fld>
             <a:endParaRPr lang="en-US"/>
           </a:p>
@@ -589,7 +594,7 @@
           <a:p>
             <a:fld id="{CD0C6E7E-852B-4601-8AB2-EB8F1007C320}" type="datetimeFigureOut">
               <a:rPr lang="en-US" smtClean="0"/>
-              <a:t>3/1/2020</a:t>
+              <a:t>3/6/2020</a:t>
             </a:fld>
             <a:endParaRPr lang="en-US"/>
           </a:p>
@@ -759,7 +764,7 @@
           <a:p>
             <a:fld id="{CD0C6E7E-852B-4601-8AB2-EB8F1007C320}" type="datetimeFigureOut">
               <a:rPr lang="en-US" smtClean="0"/>
-              <a:t>3/1/2020</a:t>
+              <a:t>3/6/2020</a:t>
             </a:fld>
             <a:endParaRPr lang="en-US"/>
           </a:p>
@@ -1003,7 +1008,7 @@
           <a:p>
             <a:fld id="{CD0C6E7E-852B-4601-8AB2-EB8F1007C320}" type="datetimeFigureOut">
               <a:rPr lang="en-US" smtClean="0"/>
-              <a:t>3/1/2020</a:t>
+              <a:t>3/6/2020</a:t>
             </a:fld>
             <a:endParaRPr lang="en-US"/>
           </a:p>
@@ -1235,7 +1240,7 @@
           <a:p>
             <a:fld id="{CD0C6E7E-852B-4601-8AB2-EB8F1007C320}" type="datetimeFigureOut">
               <a:rPr lang="en-US" smtClean="0"/>
-              <a:t>3/1/2020</a:t>
+              <a:t>3/6/2020</a:t>
             </a:fld>
             <a:endParaRPr lang="en-US"/>
           </a:p>
@@ -1602,7 +1607,7 @@
           <a:p>
             <a:fld id="{CD0C6E7E-852B-4601-8AB2-EB8F1007C320}" type="datetimeFigureOut">
               <a:rPr lang="en-US" smtClean="0"/>
-              <a:t>3/1/2020</a:t>
+              <a:t>3/6/2020</a:t>
             </a:fld>
             <a:endParaRPr lang="en-US"/>
           </a:p>
@@ -1720,7 +1725,7 @@
           <a:p>
             <a:fld id="{CD0C6E7E-852B-4601-8AB2-EB8F1007C320}" type="datetimeFigureOut">
               <a:rPr lang="en-US" smtClean="0"/>
-              <a:t>3/1/2020</a:t>
+              <a:t>3/6/2020</a:t>
             </a:fld>
             <a:endParaRPr lang="en-US"/>
           </a:p>
@@ -1815,7 +1820,7 @@
           <a:p>
             <a:fld id="{CD0C6E7E-852B-4601-8AB2-EB8F1007C320}" type="datetimeFigureOut">
               <a:rPr lang="en-US" smtClean="0"/>
-              <a:t>3/1/2020</a:t>
+              <a:t>3/6/2020</a:t>
             </a:fld>
             <a:endParaRPr lang="en-US"/>
           </a:p>
@@ -2092,7 +2097,7 @@
           <a:p>
             <a:fld id="{CD0C6E7E-852B-4601-8AB2-EB8F1007C320}" type="datetimeFigureOut">
               <a:rPr lang="en-US" smtClean="0"/>
-              <a:t>3/1/2020</a:t>
+              <a:t>3/6/2020</a:t>
             </a:fld>
             <a:endParaRPr lang="en-US"/>
           </a:p>
@@ -2349,7 +2354,7 @@
           <a:p>
             <a:fld id="{CD0C6E7E-852B-4601-8AB2-EB8F1007C320}" type="datetimeFigureOut">
               <a:rPr lang="en-US" smtClean="0"/>
-              <a:t>3/1/2020</a:t>
+              <a:t>3/6/2020</a:t>
             </a:fld>
             <a:endParaRPr lang="en-US"/>
           </a:p>
@@ -2562,7 +2567,7 @@
           <a:p>
             <a:fld id="{CD0C6E7E-852B-4601-8AB2-EB8F1007C320}" type="datetimeFigureOut">
               <a:rPr lang="en-US" smtClean="0"/>
-              <a:t>3/1/2020</a:t>
+              <a:t>3/6/2020</a:t>
             </a:fld>
             <a:endParaRPr lang="en-US"/>
           </a:p>
@@ -3139,43 +3144,6 @@
           </a:p>
         </p:txBody>
       </p:sp>
-      <p:pic>
-        <p:nvPicPr>
-          <p:cNvPr id="14" name="Picture 13">
-            <a:extLst>
-              <a:ext uri="{FF2B5EF4-FFF2-40B4-BE49-F238E27FC236}">
-                <a16:creationId xmlns:a16="http://schemas.microsoft.com/office/drawing/2014/main" id="{C02FE29F-85DB-4203-9822-C413BD0B2AD6}"/>
-              </a:ext>
-            </a:extLst>
-          </p:cNvPr>
-          <p:cNvPicPr>
-            <a:picLocks noChangeAspect="1"/>
-          </p:cNvPicPr>
-          <p:nvPr/>
-        </p:nvPicPr>
-        <p:blipFill>
-          <a:blip r:embed="rId3"/>
-          <a:stretch>
-            <a:fillRect/>
-          </a:stretch>
-        </p:blipFill>
-        <p:spPr>
-          <a:xfrm>
-            <a:off x="3646656" y="4009823"/>
-            <a:ext cx="4762500" cy="4762500"/>
-          </a:xfrm>
-          <a:prstGeom prst="rect">
-            <a:avLst/>
-          </a:prstGeom>
-          <a:effectLst>
-            <a:outerShdw blurRad="50800" dist="38100" dir="2700000" algn="tl" rotWithShape="0">
-              <a:prstClr val="black">
-                <a:alpha val="40000"/>
-              </a:prstClr>
-            </a:outerShdw>
-          </a:effectLst>
-        </p:spPr>
-      </p:pic>
       <p:sp>
         <p:nvSpPr>
           <p:cNvPr id="15" name="TextBox 14">
@@ -3267,11 +3235,93 @@
           <a:p>
             <a:r>
               <a:rPr lang="en-US" dirty="0">
-                <a:hlinkClick r:id="rId4"/>
+                <a:hlinkClick r:id="rId3"/>
               </a:rPr>
               <a:t>https://giphy.com/gifs/falcaolucas-gw3MROIiJp44tg0E</a:t>
             </a:r>
             <a:endParaRPr lang="en-US" dirty="0"/>
+          </a:p>
+        </p:txBody>
+      </p:sp>
+      <p:pic>
+        <p:nvPicPr>
+          <p:cNvPr id="1026" name="Picture 2" descr="aesthetic anime GIF by animatr">
+            <a:extLst>
+              <a:ext uri="{FF2B5EF4-FFF2-40B4-BE49-F238E27FC236}">
+                <a16:creationId xmlns:a16="http://schemas.microsoft.com/office/drawing/2014/main" id="{7770D06C-B9CA-45EF-82F3-0D50F8D19847}"/>
+              </a:ext>
+            </a:extLst>
+          </p:cNvPr>
+          <p:cNvPicPr>
+            <a:picLocks noChangeAspect="1" noChangeArrowheads="1" noCrop="1"/>
+          </p:cNvPicPr>
+          <p:nvPr/>
+        </p:nvPicPr>
+        <p:blipFill>
+          <a:blip r:embed="rId4">
+            <a:extLst>
+              <a:ext uri="{28A0092B-C50C-407E-A947-70E740481C1C}">
+                <a14:useLocalDpi xmlns:a14="http://schemas.microsoft.com/office/drawing/2010/main" val="0"/>
+              </a:ext>
+            </a:extLst>
+          </a:blip>
+          <a:srcRect/>
+          <a:stretch>
+            <a:fillRect/>
+          </a:stretch>
+        </p:blipFill>
+        <p:spPr bwMode="auto">
+          <a:xfrm>
+            <a:off x="3646656" y="4825985"/>
+            <a:ext cx="3810000" cy="2143125"/>
+          </a:xfrm>
+          <a:prstGeom prst="rect">
+            <a:avLst/>
+          </a:prstGeom>
+          <a:noFill/>
+          <a:extLst>
+            <a:ext uri="{909E8E84-426E-40DD-AFC4-6F175D3DCCD1}">
+              <a14:hiddenFill xmlns:a14="http://schemas.microsoft.com/office/drawing/2010/main">
+                <a:solidFill>
+                  <a:srgbClr val="FFFFFF"/>
+                </a:solidFill>
+              </a14:hiddenFill>
+            </a:ext>
+          </a:extLst>
+        </p:spPr>
+      </p:pic>
+      <p:sp>
+        <p:nvSpPr>
+          <p:cNvPr id="2" name="TextBox 1">
+            <a:extLst>
+              <a:ext uri="{FF2B5EF4-FFF2-40B4-BE49-F238E27FC236}">
+                <a16:creationId xmlns:a16="http://schemas.microsoft.com/office/drawing/2014/main" id="{1A2A0BD7-A34E-482B-8D49-9834E0A6BDAE}"/>
+              </a:ext>
+            </a:extLst>
+          </p:cNvPr>
+          <p:cNvSpPr txBox="1"/>
+          <p:nvPr/>
+        </p:nvSpPr>
+        <p:spPr>
+          <a:xfrm>
+            <a:off x="8648700" y="2562225"/>
+            <a:ext cx="2657475" cy="923330"/>
+          </a:xfrm>
+          <a:prstGeom prst="rect">
+            <a:avLst/>
+          </a:prstGeom>
+          <a:noFill/>
+        </p:spPr>
+        <p:txBody>
+          <a:bodyPr wrap="square" rtlCol="0">
+            <a:spAutoFit/>
+          </a:bodyPr>
+          <a:lstStyle/>
+          <a:p>
+            <a:r>
+              <a:rPr lang="en-US" sz="5400" dirty="0"/>
+              <a:t>Player 5</a:t>
+            </a:r>
           </a:p>
         </p:txBody>
       </p:sp>

--- a/template.pptx
+++ b/template.pptx
@@ -244,7 +244,7 @@
           <a:p>
             <a:fld id="{CD0C6E7E-852B-4601-8AB2-EB8F1007C320}" type="datetimeFigureOut">
               <a:rPr lang="en-US" smtClean="0"/>
-              <a:t>3/6/2020</a:t>
+              <a:t>3/29/2020</a:t>
             </a:fld>
             <a:endParaRPr lang="en-US"/>
           </a:p>
@@ -414,7 +414,7 @@
           <a:p>
             <a:fld id="{CD0C6E7E-852B-4601-8AB2-EB8F1007C320}" type="datetimeFigureOut">
               <a:rPr lang="en-US" smtClean="0"/>
-              <a:t>3/6/2020</a:t>
+              <a:t>3/29/2020</a:t>
             </a:fld>
             <a:endParaRPr lang="en-US"/>
           </a:p>
@@ -594,7 +594,7 @@
           <a:p>
             <a:fld id="{CD0C6E7E-852B-4601-8AB2-EB8F1007C320}" type="datetimeFigureOut">
               <a:rPr lang="en-US" smtClean="0"/>
-              <a:t>3/6/2020</a:t>
+              <a:t>3/29/2020</a:t>
             </a:fld>
             <a:endParaRPr lang="en-US"/>
           </a:p>
@@ -764,7 +764,7 @@
           <a:p>
             <a:fld id="{CD0C6E7E-852B-4601-8AB2-EB8F1007C320}" type="datetimeFigureOut">
               <a:rPr lang="en-US" smtClean="0"/>
-              <a:t>3/6/2020</a:t>
+              <a:t>3/29/2020</a:t>
             </a:fld>
             <a:endParaRPr lang="en-US"/>
           </a:p>
@@ -1008,7 +1008,7 @@
           <a:p>
             <a:fld id="{CD0C6E7E-852B-4601-8AB2-EB8F1007C320}" type="datetimeFigureOut">
               <a:rPr lang="en-US" smtClean="0"/>
-              <a:t>3/6/2020</a:t>
+              <a:t>3/29/2020</a:t>
             </a:fld>
             <a:endParaRPr lang="en-US"/>
           </a:p>
@@ -1240,7 +1240,7 @@
           <a:p>
             <a:fld id="{CD0C6E7E-852B-4601-8AB2-EB8F1007C320}" type="datetimeFigureOut">
               <a:rPr lang="en-US" smtClean="0"/>
-              <a:t>3/6/2020</a:t>
+              <a:t>3/29/2020</a:t>
             </a:fld>
             <a:endParaRPr lang="en-US"/>
           </a:p>
@@ -1607,7 +1607,7 @@
           <a:p>
             <a:fld id="{CD0C6E7E-852B-4601-8AB2-EB8F1007C320}" type="datetimeFigureOut">
               <a:rPr lang="en-US" smtClean="0"/>
-              <a:t>3/6/2020</a:t>
+              <a:t>3/29/2020</a:t>
             </a:fld>
             <a:endParaRPr lang="en-US"/>
           </a:p>
@@ -1725,7 +1725,7 @@
           <a:p>
             <a:fld id="{CD0C6E7E-852B-4601-8AB2-EB8F1007C320}" type="datetimeFigureOut">
               <a:rPr lang="en-US" smtClean="0"/>
-              <a:t>3/6/2020</a:t>
+              <a:t>3/29/2020</a:t>
             </a:fld>
             <a:endParaRPr lang="en-US"/>
           </a:p>
@@ -1820,7 +1820,7 @@
           <a:p>
             <a:fld id="{CD0C6E7E-852B-4601-8AB2-EB8F1007C320}" type="datetimeFigureOut">
               <a:rPr lang="en-US" smtClean="0"/>
-              <a:t>3/6/2020</a:t>
+              <a:t>3/29/2020</a:t>
             </a:fld>
             <a:endParaRPr lang="en-US"/>
           </a:p>
@@ -2097,7 +2097,7 @@
           <a:p>
             <a:fld id="{CD0C6E7E-852B-4601-8AB2-EB8F1007C320}" type="datetimeFigureOut">
               <a:rPr lang="en-US" smtClean="0"/>
-              <a:t>3/6/2020</a:t>
+              <a:t>3/29/2020</a:t>
             </a:fld>
             <a:endParaRPr lang="en-US"/>
           </a:p>
@@ -2354,7 +2354,7 @@
           <a:p>
             <a:fld id="{CD0C6E7E-852B-4601-8AB2-EB8F1007C320}" type="datetimeFigureOut">
               <a:rPr lang="en-US" smtClean="0"/>
-              <a:t>3/6/2020</a:t>
+              <a:t>3/29/2020</a:t>
             </a:fld>
             <a:endParaRPr lang="en-US"/>
           </a:p>
@@ -2567,7 +2567,7 @@
           <a:p>
             <a:fld id="{CD0C6E7E-852B-4601-8AB2-EB8F1007C320}" type="datetimeFigureOut">
               <a:rPr lang="en-US" smtClean="0"/>
-              <a:t>3/6/2020</a:t>
+              <a:t>3/29/2020</a:t>
             </a:fld>
             <a:endParaRPr lang="en-US"/>
           </a:p>
@@ -3146,10 +3146,10 @@
       </p:sp>
       <p:sp>
         <p:nvSpPr>
-          <p:cNvPr id="15" name="TextBox 14">
+          <p:cNvPr id="3" name="TextBox 2">
             <a:extLst>
               <a:ext uri="{FF2B5EF4-FFF2-40B4-BE49-F238E27FC236}">
-                <a16:creationId xmlns:a16="http://schemas.microsoft.com/office/drawing/2014/main" id="{1C42E8DF-CACD-414D-9B46-10AC17C4C15F}"/>
+                <a16:creationId xmlns:a16="http://schemas.microsoft.com/office/drawing/2014/main" id="{9F98AC51-0435-4A95-A03E-A8B56CDEFC0D}"/>
               </a:ext>
             </a:extLst>
           </p:cNvPr>
@@ -3158,8 +3158,8 @@
         </p:nvSpPr>
         <p:spPr>
           <a:xfrm>
-            <a:off x="3646656" y="2752820"/>
-            <a:ext cx="3803515" cy="923330"/>
+            <a:off x="1762125" y="2278381"/>
+            <a:ext cx="8476384" cy="7171194"/>
           </a:xfrm>
           <a:prstGeom prst="rect">
             <a:avLst/>
@@ -3173,87 +3173,160 @@
           <a:lstStyle/>
           <a:p>
             <a:r>
-              <a:rPr lang="en-US" dirty="0">
+              <a:rPr lang="en-US" sz="11500" spc="600" dirty="0">
                 <a:solidFill>
-                  <a:schemeClr val="accent4"/>
+                  <a:schemeClr val="bg1">
+                    <a:lumMod val="50000"/>
+                  </a:schemeClr>
                 </a:solidFill>
-                <a:highlight>
-                  <a:srgbClr val="808080"/>
-                </a:highlight>
               </a:rPr>
-              <a:t>This sets the mood…</a:t>
-            </a:r>
-          </a:p>
-          <a:p>
-            <a:endParaRPr lang="en-US" dirty="0">
-              <a:solidFill>
-                <a:schemeClr val="accent4"/>
-              </a:solidFill>
-            </a:endParaRPr>
-          </a:p>
-          <a:p>
-            <a:r>
-              <a:rPr lang="en-US" dirty="0">
-                <a:solidFill>
-                  <a:schemeClr val="accent4"/>
-                </a:solidFill>
-                <a:highlight>
-                  <a:srgbClr val="808080"/>
-                </a:highlight>
-              </a:rPr>
-              <a:t>Feel free to pause/play as you wish…</a:t>
-            </a:r>
-          </a:p>
-        </p:txBody>
-      </p:sp>
-      <p:sp>
-        <p:nvSpPr>
-          <p:cNvPr id="16" name="Rectangle 15">
+              <a:t>expand. 	explore. create. 		conquer</a:t>
+            </a:r>
+          </a:p>
+        </p:txBody>
+      </p:sp>
+      <p:sp>
+        <p:nvSpPr>
+          <p:cNvPr id="4" name="TextBox 3">
             <a:extLst>
               <a:ext uri="{FF2B5EF4-FFF2-40B4-BE49-F238E27FC236}">
-                <a16:creationId xmlns:a16="http://schemas.microsoft.com/office/drawing/2014/main" id="{7268048E-4E26-4122-A3E0-8640519EB117}"/>
+                <a16:creationId xmlns:a16="http://schemas.microsoft.com/office/drawing/2014/main" id="{AEA5B767-8A7C-4FBB-B66F-3C3F22090D52}"/>
               </a:ext>
             </a:extLst>
           </p:cNvPr>
-          <p:cNvSpPr/>
+          <p:cNvSpPr txBox="1"/>
           <p:nvPr/>
         </p:nvSpPr>
         <p:spPr>
           <a:xfrm>
-            <a:off x="3462811" y="8959334"/>
-            <a:ext cx="5266378" cy="369332"/>
+            <a:off x="7672820" y="9144000"/>
+            <a:ext cx="2757055" cy="369332"/>
           </a:xfrm>
           <a:prstGeom prst="rect">
             <a:avLst/>
           </a:prstGeom>
+          <a:noFill/>
         </p:spPr>
         <p:txBody>
-          <a:bodyPr wrap="none">
+          <a:bodyPr wrap="square" rtlCol="0">
             <a:spAutoFit/>
           </a:bodyPr>
           <a:lstStyle/>
           <a:p>
+            <a:pPr algn="ctr"/>
             <a:r>
               <a:rPr lang="en-US" dirty="0">
-                <a:hlinkClick r:id="rId3"/>
+                <a:solidFill>
+                  <a:schemeClr val="bg1">
+                    <a:lumMod val="50000"/>
+                  </a:schemeClr>
+                </a:solidFill>
               </a:rPr>
-              <a:t>https://giphy.com/gifs/falcaolucas-gw3MROIiJp44tg0E</a:t>
-            </a:r>
-            <a:endParaRPr lang="en-US" dirty="0"/>
+              <a:t>-- A$AP</a:t>
+            </a:r>
+          </a:p>
+        </p:txBody>
+      </p:sp>
+      <p:sp>
+        <p:nvSpPr>
+          <p:cNvPr id="6" name="TextBox 5">
+            <a:extLst>
+              <a:ext uri="{FF2B5EF4-FFF2-40B4-BE49-F238E27FC236}">
+                <a16:creationId xmlns:a16="http://schemas.microsoft.com/office/drawing/2014/main" id="{F76489DE-BE5E-4F3C-9D70-2D19E38DA52F}"/>
+              </a:ext>
+            </a:extLst>
+          </p:cNvPr>
+          <p:cNvSpPr txBox="1"/>
+          <p:nvPr/>
+        </p:nvSpPr>
+        <p:spPr>
+          <a:xfrm>
+            <a:off x="1551217" y="10994254"/>
+            <a:ext cx="9089566" cy="923330"/>
+          </a:xfrm>
+          <a:prstGeom prst="rect">
+            <a:avLst/>
+          </a:prstGeom>
+          <a:noFill/>
+        </p:spPr>
+        <p:txBody>
+          <a:bodyPr wrap="square" rtlCol="0">
+            <a:spAutoFit/>
+          </a:bodyPr>
+          <a:lstStyle/>
+          <a:p>
+            <a:pPr algn="just"/>
+            <a:r>
+              <a:rPr lang="en-US" dirty="0">
+                <a:solidFill>
+                  <a:schemeClr val="bg1">
+                    <a:lumMod val="50000"/>
+                  </a:schemeClr>
+                </a:solidFill>
+              </a:rPr>
+              <a:t>Alright, writing code for this website has been a PROCESS. I’d rather be scripting in python to build something actually useful for people. But here we are, I built this as an exercise in learning something new and making something passably beautiful in the process. Enjoy.</a:t>
+            </a:r>
           </a:p>
         </p:txBody>
       </p:sp>
       <p:pic>
         <p:nvPicPr>
-          <p:cNvPr id="1026" name="Picture 2" descr="aesthetic anime GIF by animatr">
+          <p:cNvPr id="9" name="Picture 2" descr="Sc linkedin icon - Evil Icons">
             <a:extLst>
               <a:ext uri="{FF2B5EF4-FFF2-40B4-BE49-F238E27FC236}">
-                <a16:creationId xmlns:a16="http://schemas.microsoft.com/office/drawing/2014/main" id="{7770D06C-B9CA-45EF-82F3-0D50F8D19847}"/>
+                <a16:creationId xmlns:a16="http://schemas.microsoft.com/office/drawing/2014/main" id="{B9B4954B-E8D3-48D5-89B5-82365C98447C}"/>
               </a:ext>
             </a:extLst>
           </p:cNvPr>
           <p:cNvPicPr>
-            <a:picLocks noChangeAspect="1" noChangeArrowheads="1" noCrop="1"/>
+            <a:picLocks noChangeAspect="1" noChangeArrowheads="1"/>
+          </p:cNvPicPr>
+          <p:nvPr/>
+        </p:nvPicPr>
+        <p:blipFill>
+          <a:blip r:embed="rId3">
+            <a:extLst>
+              <a:ext uri="{28A0092B-C50C-407E-A947-70E740481C1C}">
+                <a14:useLocalDpi xmlns:a14="http://schemas.microsoft.com/office/drawing/2010/main" val="0"/>
+              </a:ext>
+            </a:extLst>
+          </a:blip>
+          <a:srcRect/>
+          <a:stretch>
+            <a:fillRect/>
+          </a:stretch>
+        </p:blipFill>
+        <p:spPr bwMode="auto">
+          <a:xfrm>
+            <a:off x="4832245" y="12989787"/>
+            <a:ext cx="400581" cy="400581"/>
+          </a:xfrm>
+          <a:prstGeom prst="rect">
+            <a:avLst/>
+          </a:prstGeom>
+          <a:noFill/>
+          <a:extLst>
+            <a:ext uri="{909E8E84-426E-40DD-AFC4-6F175D3DCCD1}">
+              <a14:hiddenFill xmlns:a14="http://schemas.microsoft.com/office/drawing/2010/main">
+                <a:solidFill>
+                  <a:srgbClr val="FFFFFF"/>
+                </a:solidFill>
+              </a14:hiddenFill>
+            </a:ext>
+          </a:extLst>
+        </p:spPr>
+      </p:pic>
+      <p:pic>
+        <p:nvPicPr>
+          <p:cNvPr id="1028" name="Picture 4" descr="Insta, instagram, instagram chat, instagram pictures icon">
+            <a:extLst>
+              <a:ext uri="{FF2B5EF4-FFF2-40B4-BE49-F238E27FC236}">
+                <a16:creationId xmlns:a16="http://schemas.microsoft.com/office/drawing/2014/main" id="{42750340-E9FD-40FA-AE62-B28A5D59C336}"/>
+              </a:ext>
+            </a:extLst>
+          </p:cNvPr>
+          <p:cNvPicPr>
+            <a:picLocks noChangeAspect="1" noChangeArrowheads="1"/>
           </p:cNvPicPr>
           <p:nvPr/>
         </p:nvPicPr>
@@ -3272,8 +3345,8 @@
         </p:blipFill>
         <p:spPr bwMode="auto">
           <a:xfrm>
-            <a:off x="3646656" y="4825985"/>
-            <a:ext cx="3810000" cy="2143125"/>
+            <a:off x="5496619" y="13070809"/>
+            <a:ext cx="238538" cy="238538"/>
           </a:xfrm>
           <a:prstGeom prst="rect">
             <a:avLst/>
@@ -3290,41 +3363,100 @@
           </a:extLst>
         </p:spPr>
       </p:pic>
-      <p:sp>
-        <p:nvSpPr>
-          <p:cNvPr id="2" name="TextBox 1">
+      <p:pic>
+        <p:nvPicPr>
+          <p:cNvPr id="1032" name="Picture 8" descr="Gmail Icon PNG - gmail-icons gmail-icon-for-desktop. - CleanPNG ...">
             <a:extLst>
               <a:ext uri="{FF2B5EF4-FFF2-40B4-BE49-F238E27FC236}">
-                <a16:creationId xmlns:a16="http://schemas.microsoft.com/office/drawing/2014/main" id="{1A2A0BD7-A34E-482B-8D49-9834E0A6BDAE}"/>
+                <a16:creationId xmlns:a16="http://schemas.microsoft.com/office/drawing/2014/main" id="{315D7EE8-8442-4719-AE17-D6BD2F35D17B}"/>
               </a:ext>
             </a:extLst>
           </p:cNvPr>
-          <p:cNvSpPr txBox="1"/>
+          <p:cNvPicPr>
+            <a:picLocks noChangeAspect="1" noChangeArrowheads="1"/>
+          </p:cNvPicPr>
           <p:nvPr/>
-        </p:nvSpPr>
-        <p:spPr>
+        </p:nvPicPr>
+        <p:blipFill>
+          <a:blip r:embed="rId5">
+            <a:extLst>
+              <a:ext uri="{28A0092B-C50C-407E-A947-70E740481C1C}">
+                <a14:useLocalDpi xmlns:a14="http://schemas.microsoft.com/office/drawing/2010/main" val="0"/>
+              </a:ext>
+            </a:extLst>
+          </a:blip>
+          <a:srcRect/>
+          <a:stretch>
+            <a:fillRect/>
+          </a:stretch>
+        </p:blipFill>
+        <p:spPr bwMode="auto">
           <a:xfrm>
-            <a:off x="8648700" y="2562225"/>
-            <a:ext cx="2657475" cy="923330"/>
+            <a:off x="6096000" y="13070809"/>
+            <a:ext cx="238539" cy="238539"/>
           </a:xfrm>
           <a:prstGeom prst="rect">
             <a:avLst/>
           </a:prstGeom>
           <a:noFill/>
+          <a:extLst>
+            <a:ext uri="{909E8E84-426E-40DD-AFC4-6F175D3DCCD1}">
+              <a14:hiddenFill xmlns:a14="http://schemas.microsoft.com/office/drawing/2010/main">
+                <a:solidFill>
+                  <a:srgbClr val="FFFFFF"/>
+                </a:solidFill>
+              </a14:hiddenFill>
+            </a:ext>
+          </a:extLst>
         </p:spPr>
-        <p:txBody>
-          <a:bodyPr wrap="square" rtlCol="0">
-            <a:spAutoFit/>
-          </a:bodyPr>
-          <a:lstStyle/>
-          <a:p>
-            <a:r>
-              <a:rPr lang="en-US" sz="5400" dirty="0"/>
-              <a:t>Player 5</a:t>
-            </a:r>
-          </a:p>
-        </p:txBody>
-      </p:sp>
+      </p:pic>
+      <p:pic>
+        <p:nvPicPr>
+          <p:cNvPr id="1034" name="Picture 10" descr="Twitter logo | Free Icon">
+            <a:extLst>
+              <a:ext uri="{FF2B5EF4-FFF2-40B4-BE49-F238E27FC236}">
+                <a16:creationId xmlns:a16="http://schemas.microsoft.com/office/drawing/2014/main" id="{4C1D19A4-A6C9-46D6-9C7C-1513CB7A1078}"/>
+              </a:ext>
+            </a:extLst>
+          </p:cNvPr>
+          <p:cNvPicPr>
+            <a:picLocks noChangeAspect="1" noChangeArrowheads="1"/>
+          </p:cNvPicPr>
+          <p:nvPr/>
+        </p:nvPicPr>
+        <p:blipFill>
+          <a:blip r:embed="rId6">
+            <a:extLst>
+              <a:ext uri="{28A0092B-C50C-407E-A947-70E740481C1C}">
+                <a14:useLocalDpi xmlns:a14="http://schemas.microsoft.com/office/drawing/2010/main" val="0"/>
+              </a:ext>
+            </a:extLst>
+          </a:blip>
+          <a:srcRect/>
+          <a:stretch>
+            <a:fillRect/>
+          </a:stretch>
+        </p:blipFill>
+        <p:spPr bwMode="auto">
+          <a:xfrm>
+            <a:off x="6695382" y="13070809"/>
+            <a:ext cx="238538" cy="238538"/>
+          </a:xfrm>
+          <a:prstGeom prst="rect">
+            <a:avLst/>
+          </a:prstGeom>
+          <a:noFill/>
+          <a:extLst>
+            <a:ext uri="{909E8E84-426E-40DD-AFC4-6F175D3DCCD1}">
+              <a14:hiddenFill xmlns:a14="http://schemas.microsoft.com/office/drawing/2010/main">
+                <a:solidFill>
+                  <a:srgbClr val="FFFFFF"/>
+                </a:solidFill>
+              </a14:hiddenFill>
+            </a:ext>
+          </a:extLst>
+        </p:spPr>
+      </p:pic>
     </p:spTree>
     <p:extLst>
       <p:ext uri="{BB962C8B-B14F-4D97-AF65-F5344CB8AC3E}">
@@ -3355,12 +3487,55 @@
           <a:chExt cx="0" cy="0"/>
         </a:xfrm>
       </p:grpSpPr>
+      <p:cxnSp>
+        <p:nvCxnSpPr>
+          <p:cNvPr id="3" name="Straight Connector 2">
+            <a:extLst>
+              <a:ext uri="{FF2B5EF4-FFF2-40B4-BE49-F238E27FC236}">
+                <a16:creationId xmlns:a16="http://schemas.microsoft.com/office/drawing/2014/main" id="{199F9619-D700-4506-B216-0A54A0651068}"/>
+              </a:ext>
+            </a:extLst>
+          </p:cNvPr>
+          <p:cNvCxnSpPr/>
+          <p:nvPr/>
+        </p:nvCxnSpPr>
+        <p:spPr>
+          <a:xfrm>
+            <a:off x="1762125" y="1685925"/>
+            <a:ext cx="8667750" cy="0"/>
+          </a:xfrm>
+          <a:prstGeom prst="line">
+            <a:avLst/>
+          </a:prstGeom>
+          <a:ln w="38100">
+            <a:solidFill>
+              <a:schemeClr val="bg1">
+                <a:lumMod val="75000"/>
+              </a:schemeClr>
+            </a:solidFill>
+          </a:ln>
+        </p:spPr>
+        <p:style>
+          <a:lnRef idx="1">
+            <a:schemeClr val="accent1"/>
+          </a:lnRef>
+          <a:fillRef idx="0">
+            <a:schemeClr val="accent1"/>
+          </a:fillRef>
+          <a:effectRef idx="0">
+            <a:schemeClr val="accent1"/>
+          </a:effectRef>
+          <a:fontRef idx="minor">
+            <a:schemeClr val="tx1"/>
+          </a:fontRef>
+        </p:style>
+      </p:cxnSp>
       <p:pic>
         <p:nvPicPr>
-          <p:cNvPr id="4" name="Picture 3" descr="A person sitting on a bus&#10;&#10;Description automatically generated">
+          <p:cNvPr id="5" name="Picture 4" descr="A person sitting on a bus&#10;&#10;Description automatically generated">
             <a:extLst>
               <a:ext uri="{FF2B5EF4-FFF2-40B4-BE49-F238E27FC236}">
-                <a16:creationId xmlns:a16="http://schemas.microsoft.com/office/drawing/2014/main" id="{ED6471EF-CC70-4957-989B-AB6D503AEC36}"/>
+                <a16:creationId xmlns:a16="http://schemas.microsoft.com/office/drawing/2014/main" id="{6E90C2CB-53B2-4F71-B064-7746C65FA27D}"/>
               </a:ext>
             </a:extLst>
           </p:cNvPr>
@@ -3390,11 +3565,142 @@
           </a:prstGeom>
           <a:ln w="38100">
             <a:solidFill>
-              <a:srgbClr val="FFD966"/>
+              <a:schemeClr val="accent4">
+                <a:lumMod val="60000"/>
+                <a:lumOff val="40000"/>
+              </a:schemeClr>
             </a:solidFill>
           </a:ln>
         </p:spPr>
       </p:pic>
+      <p:sp>
+        <p:nvSpPr>
+          <p:cNvPr id="6" name="TextBox 5">
+            <a:extLst>
+              <a:ext uri="{FF2B5EF4-FFF2-40B4-BE49-F238E27FC236}">
+                <a16:creationId xmlns:a16="http://schemas.microsoft.com/office/drawing/2014/main" id="{CF83F2D8-0583-4135-A4FD-4FBDF0705F11}"/>
+              </a:ext>
+            </a:extLst>
+          </p:cNvPr>
+          <p:cNvSpPr txBox="1"/>
+          <p:nvPr/>
+        </p:nvSpPr>
+        <p:spPr>
+          <a:xfrm>
+            <a:off x="7783953" y="1117251"/>
+            <a:ext cx="1264596" cy="461665"/>
+          </a:xfrm>
+          <a:prstGeom prst="rect">
+            <a:avLst/>
+          </a:prstGeom>
+          <a:noFill/>
+        </p:spPr>
+        <p:txBody>
+          <a:bodyPr wrap="square" rtlCol="0">
+            <a:spAutoFit/>
+          </a:bodyPr>
+          <a:lstStyle/>
+          <a:p>
+            <a:pPr algn="ctr"/>
+            <a:r>
+              <a:rPr lang="en-US" sz="2400" dirty="0">
+                <a:solidFill>
+                  <a:schemeClr val="tx1">
+                    <a:lumMod val="50000"/>
+                    <a:lumOff val="50000"/>
+                  </a:schemeClr>
+                </a:solidFill>
+              </a:rPr>
+              <a:t>About</a:t>
+            </a:r>
+          </a:p>
+        </p:txBody>
+      </p:sp>
+      <p:sp>
+        <p:nvSpPr>
+          <p:cNvPr id="7" name="TextBox 6">
+            <a:extLst>
+              <a:ext uri="{FF2B5EF4-FFF2-40B4-BE49-F238E27FC236}">
+                <a16:creationId xmlns:a16="http://schemas.microsoft.com/office/drawing/2014/main" id="{0DC0EBD4-B481-4E40-8326-6343BE0FA832}"/>
+              </a:ext>
+            </a:extLst>
+          </p:cNvPr>
+          <p:cNvSpPr txBox="1"/>
+          <p:nvPr/>
+        </p:nvSpPr>
+        <p:spPr>
+          <a:xfrm>
+            <a:off x="8922089" y="1117252"/>
+            <a:ext cx="1507786" cy="461665"/>
+          </a:xfrm>
+          <a:prstGeom prst="rect">
+            <a:avLst/>
+          </a:prstGeom>
+          <a:noFill/>
+        </p:spPr>
+        <p:txBody>
+          <a:bodyPr wrap="square" rtlCol="0">
+            <a:spAutoFit/>
+          </a:bodyPr>
+          <a:lstStyle/>
+          <a:p>
+            <a:pPr algn="ctr"/>
+            <a:r>
+              <a:rPr lang="en-US" sz="2400" dirty="0">
+                <a:solidFill>
+                  <a:schemeClr val="tx1">
+                    <a:lumMod val="50000"/>
+                    <a:lumOff val="50000"/>
+                  </a:schemeClr>
+                </a:solidFill>
+              </a:rPr>
+              <a:t>Creatives</a:t>
+            </a:r>
+          </a:p>
+        </p:txBody>
+      </p:sp>
+      <p:sp>
+        <p:nvSpPr>
+          <p:cNvPr id="2" name="TextBox 1">
+            <a:extLst>
+              <a:ext uri="{FF2B5EF4-FFF2-40B4-BE49-F238E27FC236}">
+                <a16:creationId xmlns:a16="http://schemas.microsoft.com/office/drawing/2014/main" id="{EA6A98C4-632A-4215-9198-CB79E087A0B2}"/>
+              </a:ext>
+            </a:extLst>
+          </p:cNvPr>
+          <p:cNvSpPr txBox="1"/>
+          <p:nvPr/>
+        </p:nvSpPr>
+        <p:spPr>
+          <a:xfrm>
+            <a:off x="3673929" y="3466708"/>
+            <a:ext cx="4849585" cy="369332"/>
+          </a:xfrm>
+          <a:prstGeom prst="rect">
+            <a:avLst/>
+          </a:prstGeom>
+          <a:noFill/>
+        </p:spPr>
+        <p:txBody>
+          <a:bodyPr wrap="square" rtlCol="0">
+            <a:spAutoFit/>
+          </a:bodyPr>
+          <a:lstStyle/>
+          <a:p>
+            <a:pPr algn="ctr"/>
+            <a:r>
+              <a:rPr lang="en-US" dirty="0">
+                <a:solidFill>
+                  <a:schemeClr val="bg1">
+                    <a:lumMod val="50000"/>
+                  </a:schemeClr>
+                </a:solidFill>
+              </a:rPr>
+              <a:t>Under construction…</a:t>
+            </a:r>
+          </a:p>
+        </p:txBody>
+      </p:sp>
     </p:spTree>
     <p:extLst>
       <p:ext uri="{BB962C8B-B14F-4D97-AF65-F5344CB8AC3E}">
